--- a/public/slides/tidyr.pptx
+++ b/public/slides/tidyr.pptx
@@ -14,6 +14,7 @@
     <p:sldId id="263" r:id="rId8"/>
     <p:sldId id="265" r:id="rId9"/>
     <p:sldId id="266" r:id="rId10"/>
+    <p:sldId id="267" r:id="rId11"/>
   </p:sldIdLst>
   <p:sldSz cx="12192000" cy="6858000"/>
   <p:notesSz cx="6858000" cy="9144000"/>
@@ -3601,6 +3602,1161 @@
 </p:sld>
 </file>
 
+<file path=ppt/slides/slide10.xml><?xml version="1.0" encoding="utf-8"?>
+<p:sld xmlns:a="http://schemas.openxmlformats.org/drawingml/2006/main" xmlns:r="http://schemas.openxmlformats.org/officeDocument/2006/relationships" xmlns:p="http://schemas.openxmlformats.org/presentationml/2006/main">
+  <p:cSld>
+    <p:spTree>
+      <p:nvGrpSpPr>
+        <p:cNvPr id="1" name=""/>
+        <p:cNvGrpSpPr/>
+        <p:nvPr/>
+      </p:nvGrpSpPr>
+      <p:grpSpPr>
+        <a:xfrm>
+          <a:off x="0" y="0"/>
+          <a:ext cx="0" cy="0"/>
+          <a:chOff x="0" y="0"/>
+          <a:chExt cx="0" cy="0"/>
+        </a:xfrm>
+      </p:grpSpPr>
+      <p:graphicFrame>
+        <p:nvGraphicFramePr>
+          <p:cNvPr id="4" name="Table 3">
+            <a:extLst>
+              <a:ext uri="{FF2B5EF4-FFF2-40B4-BE49-F238E27FC236}">
+                <a16:creationId xmlns:a16="http://schemas.microsoft.com/office/drawing/2014/main" id="{55A87058-7932-5745-8C72-2DE19A8634E2}"/>
+              </a:ext>
+            </a:extLst>
+          </p:cNvPr>
+          <p:cNvGraphicFramePr>
+            <a:graphicFrameLocks noGrp="1"/>
+          </p:cNvGraphicFramePr>
+          <p:nvPr>
+            <p:extLst>
+              <p:ext uri="{D42A27DB-BD31-4B8C-83A1-F6EECF244321}">
+                <p14:modId xmlns:p14="http://schemas.microsoft.com/office/powerpoint/2010/main" val="3927064102"/>
+              </p:ext>
+            </p:extLst>
+          </p:nvPr>
+        </p:nvGraphicFramePr>
+        <p:xfrm>
+          <a:off x="276772" y="588581"/>
+          <a:ext cx="4064000" cy="2185217"/>
+        </p:xfrm>
+        <a:graphic>
+          <a:graphicData uri="http://schemas.openxmlformats.org/drawingml/2006/table">
+            <a:tbl>
+              <a:tblPr firstRow="1" bandRow="1">
+                <a:tableStyleId>{073A0DAA-6AF3-43AB-8588-CEC1D06C72B9}</a:tableStyleId>
+              </a:tblPr>
+              <a:tblGrid>
+                <a:gridCol w="1139567">
+                  <a:extLst>
+                    <a:ext uri="{9D8B030D-6E8A-4147-A177-3AD203B41FA5}">
+                      <a16:colId xmlns:a16="http://schemas.microsoft.com/office/drawing/2014/main" val="3023196829"/>
+                    </a:ext>
+                  </a:extLst>
+                </a:gridCol>
+                <a:gridCol w="731108">
+                  <a:extLst>
+                    <a:ext uri="{9D8B030D-6E8A-4147-A177-3AD203B41FA5}">
+                      <a16:colId xmlns:a16="http://schemas.microsoft.com/office/drawing/2014/main" val="2209780440"/>
+                    </a:ext>
+                  </a:extLst>
+                </a:gridCol>
+                <a:gridCol w="1009136">
+                  <a:extLst>
+                    <a:ext uri="{9D8B030D-6E8A-4147-A177-3AD203B41FA5}">
+                      <a16:colId xmlns:a16="http://schemas.microsoft.com/office/drawing/2014/main" val="4255864033"/>
+                    </a:ext>
+                  </a:extLst>
+                </a:gridCol>
+                <a:gridCol w="1184189">
+                  <a:extLst>
+                    <a:ext uri="{9D8B030D-6E8A-4147-A177-3AD203B41FA5}">
+                      <a16:colId xmlns:a16="http://schemas.microsoft.com/office/drawing/2014/main" val="249627418"/>
+                    </a:ext>
+                  </a:extLst>
+                </a:gridCol>
+              </a:tblGrid>
+              <a:tr h="448904">
+                <a:tc>
+                  <a:txBody>
+                    <a:bodyPr/>
+                    <a:lstStyle/>
+                    <a:p>
+                      <a:pPr algn="ctr"/>
+                      <a:r>
+                        <a:rPr lang="en-US" dirty="0"/>
+                        <a:t>Date</a:t>
+                      </a:r>
+                    </a:p>
+                  </a:txBody>
+                  <a:tcPr/>
+                </a:tc>
+                <a:tc>
+                  <a:txBody>
+                    <a:bodyPr/>
+                    <a:lstStyle/>
+                    <a:p>
+                      <a:pPr algn="ctr"/>
+                      <a:r>
+                        <a:rPr lang="en-US" dirty="0" err="1"/>
+                        <a:t>Tmin</a:t>
+                      </a:r>
+                      <a:endParaRPr lang="en-US" dirty="0"/>
+                    </a:p>
+                  </a:txBody>
+                  <a:tcPr/>
+                </a:tc>
+                <a:tc>
+                  <a:txBody>
+                    <a:bodyPr/>
+                    <a:lstStyle/>
+                    <a:p>
+                      <a:pPr algn="ctr"/>
+                      <a:r>
+                        <a:rPr lang="en-US" dirty="0" err="1"/>
+                        <a:t>Tmax</a:t>
+                      </a:r>
+                      <a:endParaRPr lang="en-US" dirty="0"/>
+                    </a:p>
+                  </a:txBody>
+                  <a:tcPr/>
+                </a:tc>
+                <a:tc>
+                  <a:txBody>
+                    <a:bodyPr/>
+                    <a:lstStyle/>
+                    <a:p>
+                      <a:pPr algn="ctr"/>
+                      <a:r>
+                        <a:rPr lang="en-US" dirty="0"/>
+                        <a:t>Rainfall</a:t>
+                      </a:r>
+                    </a:p>
+                  </a:txBody>
+                  <a:tcPr/>
+                </a:tc>
+                <a:extLst>
+                  <a:ext uri="{0D108BD9-81ED-4DB2-BD59-A6C34878D82A}">
+                    <a16:rowId xmlns:a16="http://schemas.microsoft.com/office/drawing/2014/main" val="3486653857"/>
+                  </a:ext>
+                </a:extLst>
+              </a:tr>
+              <a:tr h="339369">
+                <a:tc>
+                  <a:txBody>
+                    <a:bodyPr/>
+                    <a:lstStyle/>
+                    <a:p>
+                      <a:r>
+                        <a:rPr lang="en-US" dirty="0"/>
+                        <a:t>10-5-2020</a:t>
+                      </a:r>
+                    </a:p>
+                  </a:txBody>
+                  <a:tcPr/>
+                </a:tc>
+                <a:tc>
+                  <a:txBody>
+                    <a:bodyPr/>
+                    <a:lstStyle/>
+                    <a:p>
+                      <a:pPr algn="ctr"/>
+                      <a:r>
+                        <a:rPr lang="en-US" dirty="0"/>
+                        <a:t>5</a:t>
+                      </a:r>
+                    </a:p>
+                  </a:txBody>
+                  <a:tcPr/>
+                </a:tc>
+                <a:tc>
+                  <a:txBody>
+                    <a:bodyPr/>
+                    <a:lstStyle/>
+                    <a:p>
+                      <a:pPr algn="ctr"/>
+                      <a:r>
+                        <a:rPr lang="en-US" dirty="0"/>
+                        <a:t>18</a:t>
+                      </a:r>
+                    </a:p>
+                  </a:txBody>
+                  <a:tcPr/>
+                </a:tc>
+                <a:tc>
+                  <a:txBody>
+                    <a:bodyPr/>
+                    <a:lstStyle/>
+                    <a:p>
+                      <a:pPr algn="ctr"/>
+                      <a:r>
+                        <a:rPr lang="en-US" dirty="0"/>
+                        <a:t>30</a:t>
+                      </a:r>
+                    </a:p>
+                  </a:txBody>
+                  <a:tcPr/>
+                </a:tc>
+                <a:extLst>
+                  <a:ext uri="{0D108BD9-81ED-4DB2-BD59-A6C34878D82A}">
+                    <a16:rowId xmlns:a16="http://schemas.microsoft.com/office/drawing/2014/main" val="3859568731"/>
+                  </a:ext>
+                </a:extLst>
+              </a:tr>
+              <a:tr h="339369">
+                <a:tc>
+                  <a:txBody>
+                    <a:bodyPr/>
+                    <a:lstStyle/>
+                    <a:p>
+                      <a:r>
+                        <a:rPr lang="en-US" dirty="0"/>
+                        <a:t>11-5-2020</a:t>
+                      </a:r>
+                    </a:p>
+                  </a:txBody>
+                  <a:tcPr/>
+                </a:tc>
+                <a:tc>
+                  <a:txBody>
+                    <a:bodyPr/>
+                    <a:lstStyle/>
+                    <a:p>
+                      <a:pPr algn="ctr"/>
+                      <a:r>
+                        <a:rPr lang="en-US" dirty="0"/>
+                        <a:t>9</a:t>
+                      </a:r>
+                    </a:p>
+                  </a:txBody>
+                  <a:tcPr/>
+                </a:tc>
+                <a:tc>
+                  <a:txBody>
+                    <a:bodyPr/>
+                    <a:lstStyle/>
+                    <a:p>
+                      <a:pPr algn="ctr"/>
+                      <a:r>
+                        <a:rPr lang="en-US" dirty="0"/>
+                        <a:t>16</a:t>
+                      </a:r>
+                    </a:p>
+                  </a:txBody>
+                  <a:tcPr/>
+                </a:tc>
+                <a:tc>
+                  <a:txBody>
+                    <a:bodyPr/>
+                    <a:lstStyle/>
+                    <a:p>
+                      <a:pPr algn="ctr"/>
+                      <a:r>
+                        <a:rPr lang="en-US" dirty="0"/>
+                        <a:t>40</a:t>
+                      </a:r>
+                    </a:p>
+                  </a:txBody>
+                  <a:tcPr/>
+                </a:tc>
+                <a:extLst>
+                  <a:ext uri="{0D108BD9-81ED-4DB2-BD59-A6C34878D82A}">
+                    <a16:rowId xmlns:a16="http://schemas.microsoft.com/office/drawing/2014/main" val="1825092631"/>
+                  </a:ext>
+                </a:extLst>
+              </a:tr>
+              <a:tr h="470842">
+                <a:tc>
+                  <a:txBody>
+                    <a:bodyPr/>
+                    <a:lstStyle/>
+                    <a:p>
+                      <a:r>
+                        <a:rPr lang="en-US" dirty="0"/>
+                        <a:t>12-5-2020</a:t>
+                      </a:r>
+                    </a:p>
+                  </a:txBody>
+                  <a:tcPr/>
+                </a:tc>
+                <a:tc>
+                  <a:txBody>
+                    <a:bodyPr/>
+                    <a:lstStyle/>
+                    <a:p>
+                      <a:pPr algn="ctr"/>
+                      <a:r>
+                        <a:rPr lang="en-US" dirty="0"/>
+                        <a:t>9</a:t>
+                      </a:r>
+                    </a:p>
+                  </a:txBody>
+                  <a:tcPr/>
+                </a:tc>
+                <a:tc>
+                  <a:txBody>
+                    <a:bodyPr/>
+                    <a:lstStyle/>
+                    <a:p>
+                      <a:pPr algn="ctr"/>
+                      <a:r>
+                        <a:rPr lang="en-US" dirty="0"/>
+                        <a:t>16</a:t>
+                      </a:r>
+                    </a:p>
+                  </a:txBody>
+                  <a:tcPr/>
+                </a:tc>
+                <a:tc>
+                  <a:txBody>
+                    <a:bodyPr/>
+                    <a:lstStyle/>
+                    <a:p>
+                      <a:pPr algn="ctr"/>
+                      <a:r>
+                        <a:rPr lang="en-US" dirty="0"/>
+                        <a:t>10</a:t>
+                      </a:r>
+                    </a:p>
+                  </a:txBody>
+                  <a:tcPr/>
+                </a:tc>
+                <a:extLst>
+                  <a:ext uri="{0D108BD9-81ED-4DB2-BD59-A6C34878D82A}">
+                    <a16:rowId xmlns:a16="http://schemas.microsoft.com/office/drawing/2014/main" val="2877506415"/>
+                  </a:ext>
+                </a:extLst>
+              </a:tr>
+              <a:tr h="533951">
+                <a:tc>
+                  <a:txBody>
+                    <a:bodyPr/>
+                    <a:lstStyle/>
+                    <a:p>
+                      <a:r>
+                        <a:rPr lang="en-US" dirty="0"/>
+                        <a:t>13-5-2020</a:t>
+                      </a:r>
+                    </a:p>
+                  </a:txBody>
+                  <a:tcPr/>
+                </a:tc>
+                <a:tc>
+                  <a:txBody>
+                    <a:bodyPr/>
+                    <a:lstStyle/>
+                    <a:p>
+                      <a:pPr algn="ctr"/>
+                      <a:r>
+                        <a:rPr lang="en-US" dirty="0"/>
+                        <a:t>7</a:t>
+                      </a:r>
+                    </a:p>
+                  </a:txBody>
+                  <a:tcPr/>
+                </a:tc>
+                <a:tc>
+                  <a:txBody>
+                    <a:bodyPr/>
+                    <a:lstStyle/>
+                    <a:p>
+                      <a:pPr algn="ctr"/>
+                      <a:r>
+                        <a:rPr lang="en-US" dirty="0"/>
+                        <a:t>17</a:t>
+                      </a:r>
+                    </a:p>
+                  </a:txBody>
+                  <a:tcPr/>
+                </a:tc>
+                <a:tc>
+                  <a:txBody>
+                    <a:bodyPr/>
+                    <a:lstStyle/>
+                    <a:p>
+                      <a:pPr algn="ctr"/>
+                      <a:r>
+                        <a:rPr lang="en-US" dirty="0"/>
+                        <a:t>5</a:t>
+                      </a:r>
+                    </a:p>
+                  </a:txBody>
+                  <a:tcPr/>
+                </a:tc>
+                <a:extLst>
+                  <a:ext uri="{0D108BD9-81ED-4DB2-BD59-A6C34878D82A}">
+                    <a16:rowId xmlns:a16="http://schemas.microsoft.com/office/drawing/2014/main" val="650625755"/>
+                  </a:ext>
+                </a:extLst>
+              </a:tr>
+            </a:tbl>
+          </a:graphicData>
+        </a:graphic>
+      </p:graphicFrame>
+      <p:sp>
+        <p:nvSpPr>
+          <p:cNvPr id="7" name="TextBox 6">
+            <a:extLst>
+              <a:ext uri="{FF2B5EF4-FFF2-40B4-BE49-F238E27FC236}">
+                <a16:creationId xmlns:a16="http://schemas.microsoft.com/office/drawing/2014/main" id="{C9FBF26D-4BBA-E84B-B231-30AB477B772D}"/>
+              </a:ext>
+            </a:extLst>
+          </p:cNvPr>
+          <p:cNvSpPr txBox="1"/>
+          <p:nvPr/>
+        </p:nvSpPr>
+        <p:spPr>
+          <a:xfrm>
+            <a:off x="605481" y="111211"/>
+            <a:ext cx="1458097" cy="369332"/>
+          </a:xfrm>
+          <a:prstGeom prst="rect">
+            <a:avLst/>
+          </a:prstGeom>
+          <a:noFill/>
+        </p:spPr>
+        <p:txBody>
+          <a:bodyPr wrap="square" rtlCol="0">
+            <a:spAutoFit/>
+          </a:bodyPr>
+          <a:lstStyle/>
+          <a:p>
+            <a:r>
+              <a:rPr lang="en-US" dirty="0"/>
+              <a:t>Melbourne</a:t>
+            </a:r>
+          </a:p>
+        </p:txBody>
+      </p:sp>
+      <p:graphicFrame>
+        <p:nvGraphicFramePr>
+          <p:cNvPr id="8" name="Table 7">
+            <a:extLst>
+              <a:ext uri="{FF2B5EF4-FFF2-40B4-BE49-F238E27FC236}">
+                <a16:creationId xmlns:a16="http://schemas.microsoft.com/office/drawing/2014/main" id="{F2B5AD9E-4420-8B48-B929-05DBA87BEA19}"/>
+              </a:ext>
+            </a:extLst>
+          </p:cNvPr>
+          <p:cNvGraphicFramePr>
+            <a:graphicFrameLocks noGrp="1"/>
+          </p:cNvGraphicFramePr>
+          <p:nvPr>
+            <p:extLst>
+              <p:ext uri="{D42A27DB-BD31-4B8C-83A1-F6EECF244321}">
+                <p14:modId xmlns:p14="http://schemas.microsoft.com/office/powerpoint/2010/main" val="267593253"/>
+              </p:ext>
+            </p:extLst>
+          </p:nvPr>
+        </p:nvGraphicFramePr>
+        <p:xfrm>
+          <a:off x="6553200" y="588581"/>
+          <a:ext cx="4991098" cy="2185217"/>
+        </p:xfrm>
+        <a:graphic>
+          <a:graphicData uri="http://schemas.openxmlformats.org/drawingml/2006/table">
+            <a:tbl>
+              <a:tblPr firstRow="1" bandRow="1">
+                <a:tableStyleId>{073A0DAA-6AF3-43AB-8588-CEC1D06C72B9}</a:tableStyleId>
+              </a:tblPr>
+              <a:tblGrid>
+                <a:gridCol w="896669">
+                  <a:extLst>
+                    <a:ext uri="{9D8B030D-6E8A-4147-A177-3AD203B41FA5}">
+                      <a16:colId xmlns:a16="http://schemas.microsoft.com/office/drawing/2014/main" val="3023196829"/>
+                    </a:ext>
+                  </a:extLst>
+                </a:gridCol>
+                <a:gridCol w="896669">
+                  <a:extLst>
+                    <a:ext uri="{9D8B030D-6E8A-4147-A177-3AD203B41FA5}">
+                      <a16:colId xmlns:a16="http://schemas.microsoft.com/office/drawing/2014/main" val="4111705030"/>
+                    </a:ext>
+                  </a:extLst>
+                </a:gridCol>
+                <a:gridCol w="721262">
+                  <a:extLst>
+                    <a:ext uri="{9D8B030D-6E8A-4147-A177-3AD203B41FA5}">
+                      <a16:colId xmlns:a16="http://schemas.microsoft.com/office/drawing/2014/main" val="2167474663"/>
+                    </a:ext>
+                  </a:extLst>
+                </a:gridCol>
+                <a:gridCol w="750679">
+                  <a:extLst>
+                    <a:ext uri="{9D8B030D-6E8A-4147-A177-3AD203B41FA5}">
+                      <a16:colId xmlns:a16="http://schemas.microsoft.com/office/drawing/2014/main" val="2209780440"/>
+                    </a:ext>
+                  </a:extLst>
+                </a:gridCol>
+                <a:gridCol w="794039">
+                  <a:extLst>
+                    <a:ext uri="{9D8B030D-6E8A-4147-A177-3AD203B41FA5}">
+                      <a16:colId xmlns:a16="http://schemas.microsoft.com/office/drawing/2014/main" val="4255864033"/>
+                    </a:ext>
+                  </a:extLst>
+                </a:gridCol>
+                <a:gridCol w="931780">
+                  <a:extLst>
+                    <a:ext uri="{9D8B030D-6E8A-4147-A177-3AD203B41FA5}">
+                      <a16:colId xmlns:a16="http://schemas.microsoft.com/office/drawing/2014/main" val="249627418"/>
+                    </a:ext>
+                  </a:extLst>
+                </a:gridCol>
+              </a:tblGrid>
+              <a:tr h="448904">
+                <a:tc>
+                  <a:txBody>
+                    <a:bodyPr/>
+                    <a:lstStyle/>
+                    <a:p>
+                      <a:pPr algn="ctr"/>
+                      <a:r>
+                        <a:rPr lang="en-US" dirty="0"/>
+                        <a:t>Day</a:t>
+                      </a:r>
+                    </a:p>
+                  </a:txBody>
+                  <a:tcPr/>
+                </a:tc>
+                <a:tc>
+                  <a:txBody>
+                    <a:bodyPr/>
+                    <a:lstStyle/>
+                    <a:p>
+                      <a:pPr algn="ctr"/>
+                      <a:r>
+                        <a:rPr lang="en-US" dirty="0"/>
+                        <a:t>Month</a:t>
+                      </a:r>
+                    </a:p>
+                  </a:txBody>
+                  <a:tcPr/>
+                </a:tc>
+                <a:tc>
+                  <a:txBody>
+                    <a:bodyPr/>
+                    <a:lstStyle/>
+                    <a:p>
+                      <a:pPr algn="ctr"/>
+                      <a:r>
+                        <a:rPr lang="en-US" dirty="0"/>
+                        <a:t>Year</a:t>
+                      </a:r>
+                    </a:p>
+                  </a:txBody>
+                  <a:tcPr/>
+                </a:tc>
+                <a:tc>
+                  <a:txBody>
+                    <a:bodyPr/>
+                    <a:lstStyle/>
+                    <a:p>
+                      <a:pPr algn="ctr"/>
+                      <a:r>
+                        <a:rPr lang="en-US" dirty="0" err="1"/>
+                        <a:t>Tmin</a:t>
+                      </a:r>
+                      <a:endParaRPr lang="en-US" dirty="0"/>
+                    </a:p>
+                  </a:txBody>
+                  <a:tcPr/>
+                </a:tc>
+                <a:tc>
+                  <a:txBody>
+                    <a:bodyPr/>
+                    <a:lstStyle/>
+                    <a:p>
+                      <a:pPr algn="ctr"/>
+                      <a:r>
+                        <a:rPr lang="en-US" dirty="0" err="1"/>
+                        <a:t>Tmax</a:t>
+                      </a:r>
+                      <a:endParaRPr lang="en-US" dirty="0"/>
+                    </a:p>
+                  </a:txBody>
+                  <a:tcPr/>
+                </a:tc>
+                <a:tc>
+                  <a:txBody>
+                    <a:bodyPr/>
+                    <a:lstStyle/>
+                    <a:p>
+                      <a:pPr algn="ctr"/>
+                      <a:r>
+                        <a:rPr lang="en-US" dirty="0"/>
+                        <a:t>Rainfall</a:t>
+                      </a:r>
+                    </a:p>
+                  </a:txBody>
+                  <a:tcPr/>
+                </a:tc>
+                <a:extLst>
+                  <a:ext uri="{0D108BD9-81ED-4DB2-BD59-A6C34878D82A}">
+                    <a16:rowId xmlns:a16="http://schemas.microsoft.com/office/drawing/2014/main" val="3486653857"/>
+                  </a:ext>
+                </a:extLst>
+              </a:tr>
+              <a:tr h="339369">
+                <a:tc>
+                  <a:txBody>
+                    <a:bodyPr/>
+                    <a:lstStyle/>
+                    <a:p>
+                      <a:pPr algn="ctr"/>
+                      <a:r>
+                        <a:rPr lang="en-US" dirty="0"/>
+                        <a:t>10</a:t>
+                      </a:r>
+                    </a:p>
+                  </a:txBody>
+                  <a:tcPr/>
+                </a:tc>
+                <a:tc>
+                  <a:txBody>
+                    <a:bodyPr/>
+                    <a:lstStyle/>
+                    <a:p>
+                      <a:pPr algn="ctr"/>
+                      <a:r>
+                        <a:rPr lang="en-US" dirty="0"/>
+                        <a:t>5</a:t>
+                      </a:r>
+                    </a:p>
+                  </a:txBody>
+                  <a:tcPr/>
+                </a:tc>
+                <a:tc>
+                  <a:txBody>
+                    <a:bodyPr/>
+                    <a:lstStyle/>
+                    <a:p>
+                      <a:pPr algn="ctr"/>
+                      <a:r>
+                        <a:rPr lang="en-US" dirty="0"/>
+                        <a:t>2020</a:t>
+                      </a:r>
+                    </a:p>
+                  </a:txBody>
+                  <a:tcPr/>
+                </a:tc>
+                <a:tc>
+                  <a:txBody>
+                    <a:bodyPr/>
+                    <a:lstStyle/>
+                    <a:p>
+                      <a:pPr algn="ctr"/>
+                      <a:r>
+                        <a:rPr lang="en-US" dirty="0"/>
+                        <a:t>5</a:t>
+                      </a:r>
+                    </a:p>
+                  </a:txBody>
+                  <a:tcPr/>
+                </a:tc>
+                <a:tc>
+                  <a:txBody>
+                    <a:bodyPr/>
+                    <a:lstStyle/>
+                    <a:p>
+                      <a:pPr algn="ctr"/>
+                      <a:r>
+                        <a:rPr lang="en-US" dirty="0"/>
+                        <a:t>18</a:t>
+                      </a:r>
+                    </a:p>
+                  </a:txBody>
+                  <a:tcPr/>
+                </a:tc>
+                <a:tc>
+                  <a:txBody>
+                    <a:bodyPr/>
+                    <a:lstStyle/>
+                    <a:p>
+                      <a:pPr algn="ctr"/>
+                      <a:r>
+                        <a:rPr lang="en-US" dirty="0"/>
+                        <a:t>30</a:t>
+                      </a:r>
+                    </a:p>
+                  </a:txBody>
+                  <a:tcPr/>
+                </a:tc>
+                <a:extLst>
+                  <a:ext uri="{0D108BD9-81ED-4DB2-BD59-A6C34878D82A}">
+                    <a16:rowId xmlns:a16="http://schemas.microsoft.com/office/drawing/2014/main" val="3859568731"/>
+                  </a:ext>
+                </a:extLst>
+              </a:tr>
+              <a:tr h="339369">
+                <a:tc>
+                  <a:txBody>
+                    <a:bodyPr/>
+                    <a:lstStyle/>
+                    <a:p>
+                      <a:pPr algn="ctr"/>
+                      <a:r>
+                        <a:rPr lang="en-US" dirty="0"/>
+                        <a:t>11</a:t>
+                      </a:r>
+                    </a:p>
+                  </a:txBody>
+                  <a:tcPr/>
+                </a:tc>
+                <a:tc>
+                  <a:txBody>
+                    <a:bodyPr/>
+                    <a:lstStyle/>
+                    <a:p>
+                      <a:pPr algn="ctr"/>
+                      <a:r>
+                        <a:rPr lang="en-US" dirty="0"/>
+                        <a:t>5</a:t>
+                      </a:r>
+                    </a:p>
+                  </a:txBody>
+                  <a:tcPr/>
+                </a:tc>
+                <a:tc>
+                  <a:txBody>
+                    <a:bodyPr/>
+                    <a:lstStyle/>
+                    <a:p>
+                      <a:pPr algn="ctr"/>
+                      <a:r>
+                        <a:rPr lang="en-US" dirty="0"/>
+                        <a:t>2020</a:t>
+                      </a:r>
+                    </a:p>
+                  </a:txBody>
+                  <a:tcPr/>
+                </a:tc>
+                <a:tc>
+                  <a:txBody>
+                    <a:bodyPr/>
+                    <a:lstStyle/>
+                    <a:p>
+                      <a:pPr algn="ctr"/>
+                      <a:r>
+                        <a:rPr lang="en-US" dirty="0"/>
+                        <a:t>9</a:t>
+                      </a:r>
+                    </a:p>
+                  </a:txBody>
+                  <a:tcPr/>
+                </a:tc>
+                <a:tc>
+                  <a:txBody>
+                    <a:bodyPr/>
+                    <a:lstStyle/>
+                    <a:p>
+                      <a:pPr algn="ctr"/>
+                      <a:r>
+                        <a:rPr lang="en-US" dirty="0"/>
+                        <a:t>16</a:t>
+                      </a:r>
+                    </a:p>
+                  </a:txBody>
+                  <a:tcPr/>
+                </a:tc>
+                <a:tc>
+                  <a:txBody>
+                    <a:bodyPr/>
+                    <a:lstStyle/>
+                    <a:p>
+                      <a:pPr algn="ctr"/>
+                      <a:r>
+                        <a:rPr lang="en-US" dirty="0"/>
+                        <a:t>40</a:t>
+                      </a:r>
+                    </a:p>
+                  </a:txBody>
+                  <a:tcPr/>
+                </a:tc>
+                <a:extLst>
+                  <a:ext uri="{0D108BD9-81ED-4DB2-BD59-A6C34878D82A}">
+                    <a16:rowId xmlns:a16="http://schemas.microsoft.com/office/drawing/2014/main" val="1825092631"/>
+                  </a:ext>
+                </a:extLst>
+              </a:tr>
+              <a:tr h="470842">
+                <a:tc>
+                  <a:txBody>
+                    <a:bodyPr/>
+                    <a:lstStyle/>
+                    <a:p>
+                      <a:pPr algn="ctr"/>
+                      <a:r>
+                        <a:rPr lang="en-US" dirty="0"/>
+                        <a:t>12</a:t>
+                      </a:r>
+                    </a:p>
+                  </a:txBody>
+                  <a:tcPr/>
+                </a:tc>
+                <a:tc>
+                  <a:txBody>
+                    <a:bodyPr/>
+                    <a:lstStyle/>
+                    <a:p>
+                      <a:pPr algn="ctr"/>
+                      <a:r>
+                        <a:rPr lang="en-US" dirty="0"/>
+                        <a:t>5</a:t>
+                      </a:r>
+                    </a:p>
+                  </a:txBody>
+                  <a:tcPr/>
+                </a:tc>
+                <a:tc>
+                  <a:txBody>
+                    <a:bodyPr/>
+                    <a:lstStyle/>
+                    <a:p>
+                      <a:pPr algn="ctr"/>
+                      <a:r>
+                        <a:rPr lang="en-US" dirty="0"/>
+                        <a:t>2020</a:t>
+                      </a:r>
+                    </a:p>
+                  </a:txBody>
+                  <a:tcPr/>
+                </a:tc>
+                <a:tc>
+                  <a:txBody>
+                    <a:bodyPr/>
+                    <a:lstStyle/>
+                    <a:p>
+                      <a:pPr algn="ctr"/>
+                      <a:r>
+                        <a:rPr lang="en-US" dirty="0"/>
+                        <a:t>9</a:t>
+                      </a:r>
+                    </a:p>
+                  </a:txBody>
+                  <a:tcPr/>
+                </a:tc>
+                <a:tc>
+                  <a:txBody>
+                    <a:bodyPr/>
+                    <a:lstStyle/>
+                    <a:p>
+                      <a:pPr algn="ctr"/>
+                      <a:r>
+                        <a:rPr lang="en-US" dirty="0"/>
+                        <a:t>16</a:t>
+                      </a:r>
+                    </a:p>
+                  </a:txBody>
+                  <a:tcPr/>
+                </a:tc>
+                <a:tc>
+                  <a:txBody>
+                    <a:bodyPr/>
+                    <a:lstStyle/>
+                    <a:p>
+                      <a:pPr algn="ctr"/>
+                      <a:r>
+                        <a:rPr lang="en-US" dirty="0"/>
+                        <a:t>10</a:t>
+                      </a:r>
+                    </a:p>
+                  </a:txBody>
+                  <a:tcPr/>
+                </a:tc>
+                <a:extLst>
+                  <a:ext uri="{0D108BD9-81ED-4DB2-BD59-A6C34878D82A}">
+                    <a16:rowId xmlns:a16="http://schemas.microsoft.com/office/drawing/2014/main" val="2877506415"/>
+                  </a:ext>
+                </a:extLst>
+              </a:tr>
+              <a:tr h="533951">
+                <a:tc>
+                  <a:txBody>
+                    <a:bodyPr/>
+                    <a:lstStyle/>
+                    <a:p>
+                      <a:pPr algn="ctr"/>
+                      <a:r>
+                        <a:rPr lang="en-US" dirty="0"/>
+                        <a:t>13</a:t>
+                      </a:r>
+                    </a:p>
+                  </a:txBody>
+                  <a:tcPr/>
+                </a:tc>
+                <a:tc>
+                  <a:txBody>
+                    <a:bodyPr/>
+                    <a:lstStyle/>
+                    <a:p>
+                      <a:pPr algn="ctr"/>
+                      <a:r>
+                        <a:rPr lang="en-US" dirty="0"/>
+                        <a:t>5</a:t>
+                      </a:r>
+                    </a:p>
+                  </a:txBody>
+                  <a:tcPr/>
+                </a:tc>
+                <a:tc>
+                  <a:txBody>
+                    <a:bodyPr/>
+                    <a:lstStyle/>
+                    <a:p>
+                      <a:pPr algn="ctr"/>
+                      <a:r>
+                        <a:rPr lang="en-US" dirty="0"/>
+                        <a:t>2020</a:t>
+                      </a:r>
+                    </a:p>
+                  </a:txBody>
+                  <a:tcPr/>
+                </a:tc>
+                <a:tc>
+                  <a:txBody>
+                    <a:bodyPr/>
+                    <a:lstStyle/>
+                    <a:p>
+                      <a:pPr algn="ctr"/>
+                      <a:r>
+                        <a:rPr lang="en-US" dirty="0"/>
+                        <a:t>7</a:t>
+                      </a:r>
+                    </a:p>
+                  </a:txBody>
+                  <a:tcPr/>
+                </a:tc>
+                <a:tc>
+                  <a:txBody>
+                    <a:bodyPr/>
+                    <a:lstStyle/>
+                    <a:p>
+                      <a:pPr algn="ctr"/>
+                      <a:r>
+                        <a:rPr lang="en-US" dirty="0"/>
+                        <a:t>17</a:t>
+                      </a:r>
+                    </a:p>
+                  </a:txBody>
+                  <a:tcPr/>
+                </a:tc>
+                <a:tc>
+                  <a:txBody>
+                    <a:bodyPr/>
+                    <a:lstStyle/>
+                    <a:p>
+                      <a:pPr algn="ctr"/>
+                      <a:r>
+                        <a:rPr lang="en-US" dirty="0"/>
+                        <a:t>5</a:t>
+                      </a:r>
+                    </a:p>
+                  </a:txBody>
+                  <a:tcPr/>
+                </a:tc>
+                <a:extLst>
+                  <a:ext uri="{0D108BD9-81ED-4DB2-BD59-A6C34878D82A}">
+                    <a16:rowId xmlns:a16="http://schemas.microsoft.com/office/drawing/2014/main" val="650625755"/>
+                  </a:ext>
+                </a:extLst>
+              </a:tr>
+            </a:tbl>
+          </a:graphicData>
+        </a:graphic>
+      </p:graphicFrame>
+      <p:sp>
+        <p:nvSpPr>
+          <p:cNvPr id="2" name="Right Arrow 1">
+            <a:extLst>
+              <a:ext uri="{FF2B5EF4-FFF2-40B4-BE49-F238E27FC236}">
+                <a16:creationId xmlns:a16="http://schemas.microsoft.com/office/drawing/2014/main" id="{9DCAC925-091B-5142-AFFF-69D78BB6EE39}"/>
+              </a:ext>
+            </a:extLst>
+          </p:cNvPr>
+          <p:cNvSpPr/>
+          <p:nvPr/>
+        </p:nvSpPr>
+        <p:spPr>
+          <a:xfrm>
+            <a:off x="4864100" y="952500"/>
+            <a:ext cx="1079500" cy="355600"/>
+          </a:xfrm>
+          <a:prstGeom prst="rightArrow">
+            <a:avLst/>
+          </a:prstGeom>
+          <a:solidFill>
+            <a:schemeClr val="accent2"/>
+          </a:solidFill>
+          <a:ln>
+            <a:solidFill>
+              <a:schemeClr val="accent2"/>
+            </a:solidFill>
+          </a:ln>
+        </p:spPr>
+        <p:style>
+          <a:lnRef idx="2">
+            <a:schemeClr val="accent1">
+              <a:shade val="50000"/>
+            </a:schemeClr>
+          </a:lnRef>
+          <a:fillRef idx="1">
+            <a:schemeClr val="accent1"/>
+          </a:fillRef>
+          <a:effectRef idx="0">
+            <a:schemeClr val="accent1"/>
+          </a:effectRef>
+          <a:fontRef idx="minor">
+            <a:schemeClr val="lt1"/>
+          </a:fontRef>
+        </p:style>
+        <p:txBody>
+          <a:bodyPr rtlCol="0" anchor="ctr"/>
+          <a:lstStyle/>
+          <a:p>
+            <a:pPr algn="ctr"/>
+            <a:endParaRPr lang="en-US"/>
+          </a:p>
+        </p:txBody>
+      </p:sp>
+      <p:sp>
+        <p:nvSpPr>
+          <p:cNvPr id="3" name="Left Arrow 2">
+            <a:extLst>
+              <a:ext uri="{FF2B5EF4-FFF2-40B4-BE49-F238E27FC236}">
+                <a16:creationId xmlns:a16="http://schemas.microsoft.com/office/drawing/2014/main" id="{857670E2-ADC5-C549-A610-CBF41602B702}"/>
+              </a:ext>
+            </a:extLst>
+          </p:cNvPr>
+          <p:cNvSpPr/>
+          <p:nvPr/>
+        </p:nvSpPr>
+        <p:spPr>
+          <a:xfrm>
+            <a:off x="4800600" y="2032000"/>
+            <a:ext cx="1143000" cy="355600"/>
+          </a:xfrm>
+          <a:prstGeom prst="leftArrow">
+            <a:avLst/>
+          </a:prstGeom>
+          <a:solidFill>
+            <a:schemeClr val="accent6"/>
+          </a:solidFill>
+          <a:ln>
+            <a:solidFill>
+              <a:schemeClr val="accent6"/>
+            </a:solidFill>
+          </a:ln>
+        </p:spPr>
+        <p:style>
+          <a:lnRef idx="2">
+            <a:schemeClr val="accent1">
+              <a:shade val="50000"/>
+            </a:schemeClr>
+          </a:lnRef>
+          <a:fillRef idx="1">
+            <a:schemeClr val="accent1"/>
+          </a:fillRef>
+          <a:effectRef idx="0">
+            <a:schemeClr val="accent1"/>
+          </a:effectRef>
+          <a:fontRef idx="minor">
+            <a:schemeClr val="lt1"/>
+          </a:fontRef>
+        </p:style>
+        <p:txBody>
+          <a:bodyPr rtlCol="0" anchor="ctr"/>
+          <a:lstStyle/>
+          <a:p>
+            <a:pPr algn="ctr"/>
+            <a:endParaRPr lang="en-US"/>
+          </a:p>
+        </p:txBody>
+      </p:sp>
+      <p:sp>
+        <p:nvSpPr>
+          <p:cNvPr id="11" name="TextBox 10">
+            <a:extLst>
+              <a:ext uri="{FF2B5EF4-FFF2-40B4-BE49-F238E27FC236}">
+                <a16:creationId xmlns:a16="http://schemas.microsoft.com/office/drawing/2014/main" id="{35CA4A45-C9A4-2B4C-9D78-6CD71BC274A8}"/>
+              </a:ext>
+            </a:extLst>
+          </p:cNvPr>
+          <p:cNvSpPr txBox="1"/>
+          <p:nvPr/>
+        </p:nvSpPr>
+        <p:spPr>
+          <a:xfrm>
+            <a:off x="4875486" y="583168"/>
+            <a:ext cx="1143000" cy="369332"/>
+          </a:xfrm>
+          <a:prstGeom prst="rect">
+            <a:avLst/>
+          </a:prstGeom>
+          <a:noFill/>
+        </p:spPr>
+        <p:txBody>
+          <a:bodyPr wrap="square" rtlCol="0">
+            <a:spAutoFit/>
+          </a:bodyPr>
+          <a:lstStyle/>
+          <a:p>
+            <a:r>
+              <a:rPr lang="en-US" dirty="0"/>
+              <a:t>separate</a:t>
+            </a:r>
+          </a:p>
+        </p:txBody>
+      </p:sp>
+      <p:sp>
+        <p:nvSpPr>
+          <p:cNvPr id="12" name="TextBox 11">
+            <a:extLst>
+              <a:ext uri="{FF2B5EF4-FFF2-40B4-BE49-F238E27FC236}">
+                <a16:creationId xmlns:a16="http://schemas.microsoft.com/office/drawing/2014/main" id="{E9240D6F-F0AA-2844-9143-10AA9F164F11}"/>
+              </a:ext>
+            </a:extLst>
+          </p:cNvPr>
+          <p:cNvSpPr txBox="1"/>
+          <p:nvPr/>
+        </p:nvSpPr>
+        <p:spPr>
+          <a:xfrm>
+            <a:off x="4864100" y="2404466"/>
+            <a:ext cx="1143000" cy="369332"/>
+          </a:xfrm>
+          <a:prstGeom prst="rect">
+            <a:avLst/>
+          </a:prstGeom>
+          <a:noFill/>
+        </p:spPr>
+        <p:txBody>
+          <a:bodyPr wrap="square" rtlCol="0">
+            <a:spAutoFit/>
+          </a:bodyPr>
+          <a:lstStyle/>
+          <a:p>
+            <a:r>
+              <a:rPr lang="en-US" dirty="0"/>
+              <a:t>unite</a:t>
+            </a:r>
+          </a:p>
+        </p:txBody>
+      </p:sp>
+    </p:spTree>
+    <p:extLst>
+      <p:ext uri="{BB962C8B-B14F-4D97-AF65-F5344CB8AC3E}">
+        <p14:creationId xmlns:p14="http://schemas.microsoft.com/office/powerpoint/2010/main" val="2703371197"/>
+      </p:ext>
+    </p:extLst>
+  </p:cSld>
+  <p:clrMapOvr>
+    <a:masterClrMapping/>
+  </p:clrMapOvr>
+</p:sld>
+</file>
+
 <file path=ppt/slides/slide2.xml><?xml version="1.0" encoding="utf-8"?>
 <p:sld xmlns:a="http://schemas.openxmlformats.org/drawingml/2006/main" xmlns:r="http://schemas.openxmlformats.org/officeDocument/2006/relationships" xmlns:p="http://schemas.openxmlformats.org/presentationml/2006/main">
   <p:cSld>

--- a/public/slides/tidyr.pptx
+++ b/public/slides/tidyr.pptx
@@ -472,7 +472,7 @@
           <a:p>
             <a:fld id="{8F041306-CCF8-1E41-8201-73BCA1669BB1}" type="datetimeFigureOut">
               <a:rPr lang="en-US" smtClean="0"/>
-              <a:t>5/26/20</a:t>
+              <a:t>6/2/20</a:t>
             </a:fld>
             <a:endParaRPr lang="en-US"/>
           </a:p>
@@ -670,7 +670,7 @@
           <a:p>
             <a:fld id="{8F041306-CCF8-1E41-8201-73BCA1669BB1}" type="datetimeFigureOut">
               <a:rPr lang="en-US" smtClean="0"/>
-              <a:t>5/26/20</a:t>
+              <a:t>6/2/20</a:t>
             </a:fld>
             <a:endParaRPr lang="en-US"/>
           </a:p>
@@ -878,7 +878,7 @@
           <a:p>
             <a:fld id="{8F041306-CCF8-1E41-8201-73BCA1669BB1}" type="datetimeFigureOut">
               <a:rPr lang="en-US" smtClean="0"/>
-              <a:t>5/26/20</a:t>
+              <a:t>6/2/20</a:t>
             </a:fld>
             <a:endParaRPr lang="en-US"/>
           </a:p>
@@ -1076,7 +1076,7 @@
           <a:p>
             <a:fld id="{8F041306-CCF8-1E41-8201-73BCA1669BB1}" type="datetimeFigureOut">
               <a:rPr lang="en-US" smtClean="0"/>
-              <a:t>5/26/20</a:t>
+              <a:t>6/2/20</a:t>
             </a:fld>
             <a:endParaRPr lang="en-US"/>
           </a:p>
@@ -1351,7 +1351,7 @@
           <a:p>
             <a:fld id="{8F041306-CCF8-1E41-8201-73BCA1669BB1}" type="datetimeFigureOut">
               <a:rPr lang="en-US" smtClean="0"/>
-              <a:t>5/26/20</a:t>
+              <a:t>6/2/20</a:t>
             </a:fld>
             <a:endParaRPr lang="en-US"/>
           </a:p>
@@ -1616,7 +1616,7 @@
           <a:p>
             <a:fld id="{8F041306-CCF8-1E41-8201-73BCA1669BB1}" type="datetimeFigureOut">
               <a:rPr lang="en-US" smtClean="0"/>
-              <a:t>5/26/20</a:t>
+              <a:t>6/2/20</a:t>
             </a:fld>
             <a:endParaRPr lang="en-US"/>
           </a:p>
@@ -2028,7 +2028,7 @@
           <a:p>
             <a:fld id="{8F041306-CCF8-1E41-8201-73BCA1669BB1}" type="datetimeFigureOut">
               <a:rPr lang="en-US" smtClean="0"/>
-              <a:t>5/26/20</a:t>
+              <a:t>6/2/20</a:t>
             </a:fld>
             <a:endParaRPr lang="en-US"/>
           </a:p>
@@ -2169,7 +2169,7 @@
           <a:p>
             <a:fld id="{8F041306-CCF8-1E41-8201-73BCA1669BB1}" type="datetimeFigureOut">
               <a:rPr lang="en-US" smtClean="0"/>
-              <a:t>5/26/20</a:t>
+              <a:t>6/2/20</a:t>
             </a:fld>
             <a:endParaRPr lang="en-US"/>
           </a:p>
@@ -2282,7 +2282,7 @@
           <a:p>
             <a:fld id="{8F041306-CCF8-1E41-8201-73BCA1669BB1}" type="datetimeFigureOut">
               <a:rPr lang="en-US" smtClean="0"/>
-              <a:t>5/26/20</a:t>
+              <a:t>6/2/20</a:t>
             </a:fld>
             <a:endParaRPr lang="en-US"/>
           </a:p>
@@ -2593,7 +2593,7 @@
           <a:p>
             <a:fld id="{8F041306-CCF8-1E41-8201-73BCA1669BB1}" type="datetimeFigureOut">
               <a:rPr lang="en-US" smtClean="0"/>
-              <a:t>5/26/20</a:t>
+              <a:t>6/2/20</a:t>
             </a:fld>
             <a:endParaRPr lang="en-US"/>
           </a:p>
@@ -2881,7 +2881,7 @@
           <a:p>
             <a:fld id="{8F041306-CCF8-1E41-8201-73BCA1669BB1}" type="datetimeFigureOut">
               <a:rPr lang="en-US" smtClean="0"/>
-              <a:t>5/26/20</a:t>
+              <a:t>6/2/20</a:t>
             </a:fld>
             <a:endParaRPr lang="en-US"/>
           </a:p>
@@ -3122,7 +3122,7 @@
           <a:p>
             <a:fld id="{8F041306-CCF8-1E41-8201-73BCA1669BB1}" type="datetimeFigureOut">
               <a:rPr lang="en-US" smtClean="0"/>
-              <a:t>5/26/20</a:t>
+              <a:t>6/2/20</a:t>
             </a:fld>
             <a:endParaRPr lang="en-US"/>
           </a:p>
@@ -15955,7 +15955,7 @@
         <p:spPr>
           <a:xfrm>
             <a:off x="533400" y="3968564"/>
-            <a:ext cx="6938374" cy="369332"/>
+            <a:ext cx="6800516" cy="369332"/>
           </a:xfrm>
           <a:prstGeom prst="rect">
             <a:avLst/>
@@ -15975,7 +15975,7 @@
                 </a:solidFill>
                 <a:latin typeface="Courier" pitchFamily="2" charset="0"/>
               </a:rPr>
-              <a:t>pivot_longer</a:t>
+              <a:t>pivot_wider</a:t>
             </a:r>
             <a:r>
               <a:rPr lang="en-US" dirty="0"/>
@@ -16082,7 +16082,7 @@
                 </a:solidFill>
                 <a:latin typeface="Courier" pitchFamily="2" charset="0"/>
               </a:rPr>
-              <a:t>pivot_longer</a:t>
+              <a:t>pivot_wider</a:t>
             </a:r>
             <a:r>
               <a:rPr lang="en-US" dirty="0"/>
